--- a/Attendance System Using AWS.pptx
+++ b/Attendance System Using AWS.pptx
@@ -7762,8 +7762,8 @@
         </p:nvSpPr>
         <p:spPr bwMode="auto">
           <a:xfrm>
-            <a:off x="360000" y="3131336"/>
-            <a:ext cx="6510180" cy="1477328"/>
+            <a:off x="360000" y="3269835"/>
+            <a:ext cx="5420074" cy="1200329"/>
           </a:xfrm>
           <a:prstGeom prst="rect">
             <a:avLst/>
@@ -7828,7 +7828,7 @@
               <a:tabLst/>
             </a:pPr>
             <a:r>
-              <a:rPr kumimoji="0" lang="en-US" altLang="en-US" sz="1800" b="1" i="0" u="none" strike="noStrike" cap="none" normalizeH="0" baseline="0" dirty="0">
+              <a:rPr kumimoji="0" lang="en-US" altLang="en-US" sz="1800" b="0" i="0" u="none" strike="noStrike" cap="none" normalizeH="0" baseline="0">
                 <a:ln>
                   <a:noFill/>
                 </a:ln>
@@ -7838,7 +7838,7 @@
                 <a:effectLst/>
                 <a:latin typeface="Arial" panose="020B0604020202020204" pitchFamily="34" charset="0"/>
               </a:rPr>
-              <a:t>Objective</a:t>
+              <a:t>Faculty </a:t>
             </a:r>
             <a:r>
               <a:rPr kumimoji="0" lang="en-US" altLang="en-US" sz="1800" b="0" i="0" u="none" strike="noStrike" cap="none" normalizeH="0" baseline="0" dirty="0">
@@ -7851,38 +7851,7 @@
                 <a:effectLst/>
                 <a:latin typeface="Arial" panose="020B0604020202020204" pitchFamily="34" charset="0"/>
               </a:rPr>
-              <a:t>: Automate student attendance using class images.</a:t>
-            </a:r>
-          </a:p>
-          <a:p>
-            <a:pPr marL="0" marR="0" lvl="0" indent="0" algn="l" defTabSz="914400" rtl="0" eaLnBrk="0" fontAlgn="base" latinLnBrk="0" hangingPunct="0">
-              <a:lnSpc>
-                <a:spcPct val="100000"/>
-              </a:lnSpc>
-              <a:spcBef>
-                <a:spcPct val="0"/>
-              </a:spcBef>
-              <a:spcAft>
-                <a:spcPct val="0"/>
-              </a:spcAft>
-              <a:buClrTx/>
-              <a:buSzTx/>
-              <a:buFontTx/>
-              <a:buChar char="•"/>
-              <a:tabLst/>
-            </a:pPr>
-            <a:r>
-              <a:rPr kumimoji="0" lang="en-US" altLang="en-US" sz="1800" b="0" i="0" u="none" strike="noStrike" cap="none" normalizeH="0" baseline="0" dirty="0">
-                <a:ln>
-                  <a:noFill/>
-                </a:ln>
-                <a:solidFill>
-                  <a:schemeClr val="tx1"/>
-                </a:solidFill>
-                <a:effectLst/>
-                <a:latin typeface="Arial" panose="020B0604020202020204" pitchFamily="34" charset="0"/>
-              </a:rPr>
-              <a:t>Faculty uploads a </a:t>
+              <a:t>uploads a </a:t>
             </a:r>
             <a:r>
               <a:rPr kumimoji="0" lang="en-US" altLang="en-US" sz="1800" b="1" i="0" u="none" strike="noStrike" cap="none" normalizeH="0" baseline="0" dirty="0">
